--- a/Presentation.pptx
+++ b/Presentation.pptx
@@ -117,6 +117,11 @@
       </a:defRPr>
     </a:lvl9pPr>
   </p:defaultTextStyle>
+  <p:extLst>
+    <p:ext uri="{EFAFB233-063F-42B5-8137-9DF3F51BA10A}">
+      <p15:sldGuideLst xmlns:p15="http://schemas.microsoft.com/office/powerpoint/2012/main"/>
+    </p:ext>
+  </p:extLst>
 </p:presentation>
 </file>
 
@@ -842,7 +847,7 @@
           <a:p>
             <a:fld id="{C2CAA54E-0D7C-49A1-85F4-EA38C7EBAFA7}" type="datetimeFigureOut">
               <a:rPr lang="en-US" smtClean="0"/>
-              <a:t>3/18/2020</a:t>
+              <a:t>3/19/2020</a:t>
             </a:fld>
             <a:endParaRPr lang="en-US"/>
           </a:p>
@@ -1093,7 +1098,7 @@
           <a:p>
             <a:fld id="{C2CAA54E-0D7C-49A1-85F4-EA38C7EBAFA7}" type="datetimeFigureOut">
               <a:rPr lang="en-US" smtClean="0"/>
-              <a:t>3/18/2020</a:t>
+              <a:t>3/19/2020</a:t>
             </a:fld>
             <a:endParaRPr lang="en-US"/>
           </a:p>
@@ -1407,7 +1412,7 @@
           <a:p>
             <a:fld id="{C2CAA54E-0D7C-49A1-85F4-EA38C7EBAFA7}" type="datetimeFigureOut">
               <a:rPr lang="en-US" smtClean="0"/>
-              <a:t>3/18/2020</a:t>
+              <a:t>3/19/2020</a:t>
             </a:fld>
             <a:endParaRPr lang="en-US"/>
           </a:p>
@@ -1748,7 +1753,7 @@
           <a:p>
             <a:fld id="{C2CAA54E-0D7C-49A1-85F4-EA38C7EBAFA7}" type="datetimeFigureOut">
               <a:rPr lang="en-US" smtClean="0"/>
-              <a:t>3/18/2020</a:t>
+              <a:t>3/19/2020</a:t>
             </a:fld>
             <a:endParaRPr lang="en-US"/>
           </a:p>
@@ -2062,7 +2067,7 @@
           <a:p>
             <a:fld id="{C2CAA54E-0D7C-49A1-85F4-EA38C7EBAFA7}" type="datetimeFigureOut">
               <a:rPr lang="en-US" smtClean="0"/>
-              <a:t>3/18/2020</a:t>
+              <a:t>3/19/2020</a:t>
             </a:fld>
             <a:endParaRPr lang="en-US"/>
           </a:p>
@@ -2455,7 +2460,7 @@
           <a:p>
             <a:fld id="{C2CAA54E-0D7C-49A1-85F4-EA38C7EBAFA7}" type="datetimeFigureOut">
               <a:rPr lang="en-US" smtClean="0"/>
-              <a:t>3/18/2020</a:t>
+              <a:t>3/19/2020</a:t>
             </a:fld>
             <a:endParaRPr lang="en-US"/>
           </a:p>
@@ -2625,7 +2630,7 @@
           <a:p>
             <a:fld id="{C2CAA54E-0D7C-49A1-85F4-EA38C7EBAFA7}" type="datetimeFigureOut">
               <a:rPr lang="en-US" smtClean="0"/>
-              <a:t>3/18/2020</a:t>
+              <a:t>3/19/2020</a:t>
             </a:fld>
             <a:endParaRPr lang="en-US"/>
           </a:p>
@@ -2805,7 +2810,7 @@
           <a:p>
             <a:fld id="{C2CAA54E-0D7C-49A1-85F4-EA38C7EBAFA7}" type="datetimeFigureOut">
               <a:rPr lang="en-US" smtClean="0"/>
-              <a:t>3/18/2020</a:t>
+              <a:t>3/19/2020</a:t>
             </a:fld>
             <a:endParaRPr lang="en-US"/>
           </a:p>
@@ -2981,7 +2986,7 @@
           <a:p>
             <a:fld id="{C2CAA54E-0D7C-49A1-85F4-EA38C7EBAFA7}" type="datetimeFigureOut">
               <a:rPr lang="en-US" smtClean="0"/>
-              <a:t>3/18/2020</a:t>
+              <a:t>3/19/2020</a:t>
             </a:fld>
             <a:endParaRPr lang="en-US"/>
           </a:p>
@@ -3228,7 +3233,7 @@
           <a:p>
             <a:fld id="{C2CAA54E-0D7C-49A1-85F4-EA38C7EBAFA7}" type="datetimeFigureOut">
               <a:rPr lang="en-US" smtClean="0"/>
-              <a:t>3/18/2020</a:t>
+              <a:t>3/19/2020</a:t>
             </a:fld>
             <a:endParaRPr lang="en-US"/>
           </a:p>
@@ -3460,7 +3465,7 @@
           <a:p>
             <a:fld id="{C2CAA54E-0D7C-49A1-85F4-EA38C7EBAFA7}" type="datetimeFigureOut">
               <a:rPr lang="en-US" smtClean="0"/>
-              <a:t>3/18/2020</a:t>
+              <a:t>3/19/2020</a:t>
             </a:fld>
             <a:endParaRPr lang="en-US"/>
           </a:p>
@@ -3834,7 +3839,7 @@
           <a:p>
             <a:fld id="{C2CAA54E-0D7C-49A1-85F4-EA38C7EBAFA7}" type="datetimeFigureOut">
               <a:rPr lang="en-US" smtClean="0"/>
-              <a:t>3/18/2020</a:t>
+              <a:t>3/19/2020</a:t>
             </a:fld>
             <a:endParaRPr lang="en-US"/>
           </a:p>
@@ -3957,7 +3962,7 @@
           <a:p>
             <a:fld id="{C2CAA54E-0D7C-49A1-85F4-EA38C7EBAFA7}" type="datetimeFigureOut">
               <a:rPr lang="en-US" smtClean="0"/>
-              <a:t>3/18/2020</a:t>
+              <a:t>3/19/2020</a:t>
             </a:fld>
             <a:endParaRPr lang="en-US"/>
           </a:p>
@@ -4052,7 +4057,7 @@
           <a:p>
             <a:fld id="{C2CAA54E-0D7C-49A1-85F4-EA38C7EBAFA7}" type="datetimeFigureOut">
               <a:rPr lang="en-US" smtClean="0"/>
-              <a:t>3/18/2020</a:t>
+              <a:t>3/19/2020</a:t>
             </a:fld>
             <a:endParaRPr lang="en-US"/>
           </a:p>
@@ -4307,7 +4312,7 @@
           <a:p>
             <a:fld id="{C2CAA54E-0D7C-49A1-85F4-EA38C7EBAFA7}" type="datetimeFigureOut">
               <a:rPr lang="en-US" smtClean="0"/>
-              <a:t>3/18/2020</a:t>
+              <a:t>3/19/2020</a:t>
             </a:fld>
             <a:endParaRPr lang="en-US"/>
           </a:p>
@@ -4570,7 +4575,7 @@
           <a:p>
             <a:fld id="{C2CAA54E-0D7C-49A1-85F4-EA38C7EBAFA7}" type="datetimeFigureOut">
               <a:rPr lang="en-US" smtClean="0"/>
-              <a:t>3/18/2020</a:t>
+              <a:t>3/19/2020</a:t>
             </a:fld>
             <a:endParaRPr lang="en-US"/>
           </a:p>
@@ -5313,7 +5318,7 @@
           <a:p>
             <a:fld id="{C2CAA54E-0D7C-49A1-85F4-EA38C7EBAFA7}" type="datetimeFigureOut">
               <a:rPr lang="en-US" smtClean="0"/>
-              <a:t>3/18/2020</a:t>
+              <a:t>3/19/2020</a:t>
             </a:fld>
             <a:endParaRPr lang="en-US"/>
           </a:p>
@@ -6216,9 +6221,90 @@
           </a:p>
         </p:txBody>
       </p:sp>
+      <p:sp>
+        <p:nvSpPr>
+          <p:cNvPr id="5" name="TextBox 4"/>
+          <p:cNvSpPr txBox="1"/>
+          <p:nvPr/>
+        </p:nvSpPr>
+        <p:spPr>
+          <a:xfrm>
+            <a:off x="159340" y="5380672"/>
+            <a:ext cx="8475407" cy="1477328"/>
+          </a:xfrm>
+          <a:prstGeom prst="rect">
+            <a:avLst/>
+          </a:prstGeom>
+          <a:noFill/>
+        </p:spPr>
+        <p:txBody>
+          <a:bodyPr wrap="square" rtlCol="0">
+            <a:spAutoFit/>
+          </a:bodyPr>
+          <a:lstStyle/>
+          <a:p>
+            <a:pPr marL="742950" lvl="1" indent="-285750">
+              <a:buFont typeface="Arial" panose="020B0604020202020204" pitchFamily="34" charset="0"/>
+              <a:buChar char="•"/>
+            </a:pPr>
+            <a:r>
+              <a:rPr lang="en-US" dirty="0"/>
+              <a:t>Two wards are in the same district and same area, separated by a road</a:t>
+            </a:r>
+            <a:r>
+              <a:rPr lang="en-US" dirty="0" smtClean="0"/>
+              <a:t>.</a:t>
+            </a:r>
+          </a:p>
+          <a:p>
+            <a:pPr marL="742950" lvl="1" indent="-285750">
+              <a:buFont typeface="Arial" panose="020B0604020202020204" pitchFamily="34" charset="0"/>
+              <a:buChar char="•"/>
+            </a:pPr>
+            <a:r>
+              <a:rPr lang="en-US" dirty="0" smtClean="0"/>
+              <a:t>But </a:t>
+            </a:r>
+            <a:r>
+              <a:rPr lang="en-US" dirty="0"/>
+              <a:t>they are far from Ho Chi Minh downtown. </a:t>
+            </a:r>
+            <a:endParaRPr lang="en-US" dirty="0" smtClean="0"/>
+          </a:p>
+          <a:p>
+            <a:pPr marL="742950" lvl="1" indent="-285750">
+              <a:buFont typeface="Arial" panose="020B0604020202020204" pitchFamily="34" charset="0"/>
+              <a:buChar char="•"/>
+            </a:pPr>
+            <a:r>
+              <a:rPr lang="en-US" dirty="0" smtClean="0"/>
+              <a:t>And </a:t>
+            </a:r>
+            <a:r>
+              <a:rPr lang="en-US" dirty="0"/>
+              <a:t>we have more coffee shop venues on these 2 wards (26 and 27 coffee shop venues). </a:t>
+            </a:r>
+            <a:endParaRPr lang="en-US" dirty="0" smtClean="0"/>
+          </a:p>
+          <a:p>
+            <a:pPr marL="742950" lvl="1" indent="-285750">
+              <a:buFont typeface="Arial" panose="020B0604020202020204" pitchFamily="34" charset="0"/>
+              <a:buChar char="•"/>
+            </a:pPr>
+            <a:r>
+              <a:rPr lang="en-US" dirty="0" smtClean="0"/>
+              <a:t>So </a:t>
+            </a:r>
+            <a:r>
+              <a:rPr lang="en-US" dirty="0"/>
+              <a:t>we will not choose these 2 wards to open a new coffee shop.</a:t>
+            </a:r>
+          </a:p>
+        </p:txBody>
+      </p:sp>
       <p:pic>
         <p:nvPicPr>
-          <p:cNvPr id="4" name="Content Placeholder 3"/>
+          <p:cNvPr id="6" name="Content Placeholder 5"/>
           <p:cNvPicPr>
             <a:picLocks noGrp="1" noChangeAspect="1"/>
           </p:cNvPicPr>
@@ -6240,92 +6326,11 @@
         </p:blipFill>
         <p:spPr>
           <a:xfrm>
-            <a:off x="677334" y="1462498"/>
-            <a:ext cx="7439420" cy="3881437"/>
+            <a:off x="677334" y="1403504"/>
+            <a:ext cx="5585983" cy="3881437"/>
           </a:xfrm>
         </p:spPr>
       </p:pic>
-      <p:sp>
-        <p:nvSpPr>
-          <p:cNvPr id="5" name="TextBox 4"/>
-          <p:cNvSpPr txBox="1"/>
-          <p:nvPr/>
-        </p:nvSpPr>
-        <p:spPr>
-          <a:xfrm>
-            <a:off x="159340" y="5380672"/>
-            <a:ext cx="8475407" cy="1477328"/>
-          </a:xfrm>
-          <a:prstGeom prst="rect">
-            <a:avLst/>
-          </a:prstGeom>
-          <a:noFill/>
-        </p:spPr>
-        <p:txBody>
-          <a:bodyPr wrap="square" rtlCol="0">
-            <a:spAutoFit/>
-          </a:bodyPr>
-          <a:lstStyle/>
-          <a:p>
-            <a:pPr marL="742950" lvl="1" indent="-285750">
-              <a:buFont typeface="Arial" panose="020B0604020202020204" pitchFamily="34" charset="0"/>
-              <a:buChar char="•"/>
-            </a:pPr>
-            <a:r>
-              <a:rPr lang="en-US" dirty="0"/>
-              <a:t>Two wards are in the same district and same area, separated by a road</a:t>
-            </a:r>
-            <a:r>
-              <a:rPr lang="en-US" dirty="0" smtClean="0"/>
-              <a:t>.</a:t>
-            </a:r>
-          </a:p>
-          <a:p>
-            <a:pPr marL="742950" lvl="1" indent="-285750">
-              <a:buFont typeface="Arial" panose="020B0604020202020204" pitchFamily="34" charset="0"/>
-              <a:buChar char="•"/>
-            </a:pPr>
-            <a:r>
-              <a:rPr lang="en-US" dirty="0" smtClean="0"/>
-              <a:t>But </a:t>
-            </a:r>
-            <a:r>
-              <a:rPr lang="en-US" dirty="0"/>
-              <a:t>they are far from Ho Chi Minh downtown. </a:t>
-            </a:r>
-            <a:endParaRPr lang="en-US" dirty="0" smtClean="0"/>
-          </a:p>
-          <a:p>
-            <a:pPr marL="742950" lvl="1" indent="-285750">
-              <a:buFont typeface="Arial" panose="020B0604020202020204" pitchFamily="34" charset="0"/>
-              <a:buChar char="•"/>
-            </a:pPr>
-            <a:r>
-              <a:rPr lang="en-US" dirty="0" smtClean="0"/>
-              <a:t>And </a:t>
-            </a:r>
-            <a:r>
-              <a:rPr lang="en-US" dirty="0"/>
-              <a:t>we have more coffee shop venues on these 2 wards (26 and 27 coffee shop venues). </a:t>
-            </a:r>
-            <a:endParaRPr lang="en-US" dirty="0" smtClean="0"/>
-          </a:p>
-          <a:p>
-            <a:pPr marL="742950" lvl="1" indent="-285750">
-              <a:buFont typeface="Arial" panose="020B0604020202020204" pitchFamily="34" charset="0"/>
-              <a:buChar char="•"/>
-            </a:pPr>
-            <a:r>
-              <a:rPr lang="en-US" dirty="0" smtClean="0"/>
-              <a:t>So </a:t>
-            </a:r>
-            <a:r>
-              <a:rPr lang="en-US" dirty="0"/>
-              <a:t>we will not choose these 2 wards to open a new coffee shop.</a:t>
-            </a:r>
-          </a:p>
-        </p:txBody>
-      </p:sp>
     </p:spTree>
     <p:extLst>
       <p:ext uri="{BB962C8B-B14F-4D97-AF65-F5344CB8AC3E}">
@@ -7094,11 +7099,7 @@
             </a:pPr>
             <a:r>
               <a:rPr lang="en-US" dirty="0" smtClean="0"/>
-              <a:t>Average density : between 10000 and 30000 persons </a:t>
-            </a:r>
-            <a:r>
-              <a:rPr lang="en-US" dirty="0" smtClean="0"/>
-              <a:t>acreage (KM</a:t>
+              <a:t>Average density : between 10000 and 30000 persons acreage (KM</a:t>
             </a:r>
             <a:r>
               <a:rPr lang="en-US" baseline="30000" dirty="0" smtClean="0"/>
@@ -7126,7 +7127,6 @@
               <a:rPr lang="en-US" dirty="0" smtClean="0"/>
               <a:t>)</a:t>
             </a:r>
-            <a:endParaRPr lang="en-US" dirty="0" smtClean="0"/>
           </a:p>
         </p:txBody>
       </p:sp>
@@ -7586,9 +7586,43 @@
           </a:p>
         </p:txBody>
       </p:sp>
+      <p:sp>
+        <p:nvSpPr>
+          <p:cNvPr id="5" name="TextBox 4"/>
+          <p:cNvSpPr txBox="1"/>
+          <p:nvPr/>
+        </p:nvSpPr>
+        <p:spPr>
+          <a:xfrm>
+            <a:off x="677334" y="6228449"/>
+            <a:ext cx="7808450" cy="369332"/>
+          </a:xfrm>
+          <a:prstGeom prst="rect">
+            <a:avLst/>
+          </a:prstGeom>
+          <a:noFill/>
+        </p:spPr>
+        <p:txBody>
+          <a:bodyPr wrap="square" rtlCol="0">
+            <a:spAutoFit/>
+          </a:bodyPr>
+          <a:lstStyle/>
+          <a:p>
+            <a:r>
+              <a:rPr lang="en-US" dirty="0" smtClean="0"/>
+              <a:t>Low number of venues. Removed this ward cluster from </a:t>
+            </a:r>
+            <a:r>
+              <a:rPr lang="en-US" dirty="0" err="1" smtClean="0"/>
+              <a:t>dataframe</a:t>
+            </a:r>
+            <a:endParaRPr lang="en-US" dirty="0"/>
+          </a:p>
+        </p:txBody>
+      </p:sp>
       <p:pic>
         <p:nvPicPr>
-          <p:cNvPr id="4" name="Content Placeholder 3"/>
+          <p:cNvPr id="7" name="Content Placeholder 6"/>
           <p:cNvPicPr>
             <a:picLocks noGrp="1" noChangeAspect="1"/>
           </p:cNvPicPr>
@@ -7610,45 +7644,11 @@
         </p:blipFill>
         <p:spPr>
           <a:xfrm>
-            <a:off x="677334" y="2243053"/>
-            <a:ext cx="8201195" cy="3053311"/>
+            <a:off x="760078" y="1838873"/>
+            <a:ext cx="7354669" cy="4389576"/>
           </a:xfrm>
         </p:spPr>
       </p:pic>
-      <p:sp>
-        <p:nvSpPr>
-          <p:cNvPr id="5" name="TextBox 4"/>
-          <p:cNvSpPr txBox="1"/>
-          <p:nvPr/>
-        </p:nvSpPr>
-        <p:spPr>
-          <a:xfrm>
-            <a:off x="677334" y="5609017"/>
-            <a:ext cx="7808450" cy="369332"/>
-          </a:xfrm>
-          <a:prstGeom prst="rect">
-            <a:avLst/>
-          </a:prstGeom>
-          <a:noFill/>
-        </p:spPr>
-        <p:txBody>
-          <a:bodyPr wrap="square" rtlCol="0">
-            <a:spAutoFit/>
-          </a:bodyPr>
-          <a:lstStyle/>
-          <a:p>
-            <a:r>
-              <a:rPr lang="en-US" dirty="0" smtClean="0"/>
-              <a:t>Low number of venues. Removed this ward cluster from </a:t>
-            </a:r>
-            <a:r>
-              <a:rPr lang="en-US" dirty="0" err="1" smtClean="0"/>
-              <a:t>dataframe</a:t>
-            </a:r>
-            <a:endParaRPr lang="en-US" dirty="0"/>
-          </a:p>
-        </p:txBody>
-      </p:sp>
     </p:spTree>
     <p:extLst>
       <p:ext uri="{BB962C8B-B14F-4D97-AF65-F5344CB8AC3E}">
@@ -7701,13 +7701,43 @@
           <a:bodyPr/>
           <a:lstStyle/>
           <a:p>
-            <a:endParaRPr lang="en-US"/>
+            <a:endParaRPr lang="en-US" dirty="0"/>
+          </a:p>
+        </p:txBody>
+      </p:sp>
+      <p:sp>
+        <p:nvSpPr>
+          <p:cNvPr id="6" name="TextBox 5"/>
+          <p:cNvSpPr txBox="1"/>
+          <p:nvPr/>
+        </p:nvSpPr>
+        <p:spPr>
+          <a:xfrm>
+            <a:off x="677334" y="5843763"/>
+            <a:ext cx="5761704" cy="369332"/>
+          </a:xfrm>
+          <a:prstGeom prst="rect">
+            <a:avLst/>
+          </a:prstGeom>
+          <a:noFill/>
+        </p:spPr>
+        <p:txBody>
+          <a:bodyPr wrap="square" rtlCol="0">
+            <a:spAutoFit/>
+          </a:bodyPr>
+          <a:lstStyle/>
+          <a:p>
+            <a:r>
+              <a:rPr lang="en-US" dirty="0" smtClean="0"/>
+              <a:t>High number of venues. Keep this cluster </a:t>
+            </a:r>
+            <a:endParaRPr lang="en-US" dirty="0"/>
           </a:p>
         </p:txBody>
       </p:sp>
       <p:pic>
         <p:nvPicPr>
-          <p:cNvPr id="4" name="Content Placeholder 3"/>
+          <p:cNvPr id="7" name="Content Placeholder 6"/>
           <p:cNvPicPr>
             <a:picLocks noGrp="1" noChangeAspect="1"/>
           </p:cNvPicPr>
@@ -7729,14 +7759,14 @@
         </p:blipFill>
         <p:spPr>
           <a:xfrm>
-            <a:off x="0" y="2648217"/>
-            <a:ext cx="7136697" cy="2746515"/>
+            <a:off x="0" y="-1"/>
+            <a:ext cx="6725332" cy="4149213"/>
           </a:xfrm>
         </p:spPr>
       </p:pic>
       <p:pic>
         <p:nvPicPr>
-          <p:cNvPr id="5" name="Picture 4"/>
+          <p:cNvPr id="8" name="Picture 7"/>
           <p:cNvPicPr>
             <a:picLocks noChangeAspect="1"/>
           </p:cNvPicPr>
@@ -7756,44 +7786,14 @@
         </p:blipFill>
         <p:spPr>
           <a:xfrm>
-            <a:off x="0" y="-55716"/>
-            <a:ext cx="7136697" cy="2703933"/>
+            <a:off x="5975179" y="2959510"/>
+            <a:ext cx="6204098" cy="3830945"/>
           </a:xfrm>
           <a:prstGeom prst="rect">
             <a:avLst/>
           </a:prstGeom>
         </p:spPr>
       </p:pic>
-      <p:sp>
-        <p:nvSpPr>
-          <p:cNvPr id="6" name="TextBox 5"/>
-          <p:cNvSpPr txBox="1"/>
-          <p:nvPr/>
-        </p:nvSpPr>
-        <p:spPr>
-          <a:xfrm>
-            <a:off x="677334" y="5843763"/>
-            <a:ext cx="5761704" cy="369332"/>
-          </a:xfrm>
-          <a:prstGeom prst="rect">
-            <a:avLst/>
-          </a:prstGeom>
-          <a:noFill/>
-        </p:spPr>
-        <p:txBody>
-          <a:bodyPr wrap="square" rtlCol="0">
-            <a:spAutoFit/>
-          </a:bodyPr>
-          <a:lstStyle/>
-          <a:p>
-            <a:r>
-              <a:rPr lang="en-US" dirty="0" smtClean="0"/>
-              <a:t>High number of venues. Keep this cluster </a:t>
-            </a:r>
-            <a:endParaRPr lang="en-US" dirty="0"/>
-          </a:p>
-        </p:txBody>
-      </p:sp>
     </p:spTree>
     <p:extLst>
       <p:ext uri="{BB962C8B-B14F-4D97-AF65-F5344CB8AC3E}">
